--- a/Framing_Presentation.pptx
+++ b/Framing_Presentation.pptx
@@ -7,8 +7,9 @@
   <p:sldIdLst>
     <p:sldId id="256" r:id="rId2"/>
     <p:sldId id="257" r:id="rId3"/>
-    <p:sldId id="258" r:id="rId4"/>
-    <p:sldId id="259" r:id="rId5"/>
+    <p:sldId id="259" r:id="rId4"/>
+    <p:sldId id="258" r:id="rId5"/>
+    <p:sldId id="260" r:id="rId6"/>
   </p:sldIdLst>
   <p:sldSz cx="12192000" cy="6858000"/>
   <p:notesSz cx="6858000" cy="9144000"/>
@@ -107,6 +108,11 @@
       </a:defRPr>
     </a:lvl9pPr>
   </p:defaultTextStyle>
+  <p:extLst>
+    <p:ext uri="{EFAFB233-063F-42B5-8137-9DF3F51BA10A}">
+      <p15:sldGuideLst xmlns:p15="http://schemas.microsoft.com/office/powerpoint/2012/main"/>
+    </p:ext>
+  </p:extLst>
 </p:presentation>
 </file>
 
@@ -3049,7 +3055,7 @@
           <a:p>
             <a:fld id="{0E82FDCF-6042-5A4E-A2A7-A5FDD0C63025}" type="datetimeFigureOut">
               <a:rPr lang="en-US" smtClean="0"/>
-              <a:t>12/2/21</a:t>
+              <a:t>12/4/21</a:t>
             </a:fld>
             <a:endParaRPr lang="en-US"/>
           </a:p>
@@ -3247,7 +3253,7 @@
           <a:p>
             <a:fld id="{0E82FDCF-6042-5A4E-A2A7-A5FDD0C63025}" type="datetimeFigureOut">
               <a:rPr lang="en-US" smtClean="0"/>
-              <a:t>12/2/21</a:t>
+              <a:t>12/4/21</a:t>
             </a:fld>
             <a:endParaRPr lang="en-US"/>
           </a:p>
@@ -3455,7 +3461,7 @@
           <a:p>
             <a:fld id="{0E82FDCF-6042-5A4E-A2A7-A5FDD0C63025}" type="datetimeFigureOut">
               <a:rPr lang="en-US" smtClean="0"/>
-              <a:t>12/2/21</a:t>
+              <a:t>12/4/21</a:t>
             </a:fld>
             <a:endParaRPr lang="en-US"/>
           </a:p>
@@ -3653,7 +3659,7 @@
           <a:p>
             <a:fld id="{0E82FDCF-6042-5A4E-A2A7-A5FDD0C63025}" type="datetimeFigureOut">
               <a:rPr lang="en-US" smtClean="0"/>
-              <a:t>12/2/21</a:t>
+              <a:t>12/4/21</a:t>
             </a:fld>
             <a:endParaRPr lang="en-US"/>
           </a:p>
@@ -3928,7 +3934,7 @@
           <a:p>
             <a:fld id="{0E82FDCF-6042-5A4E-A2A7-A5FDD0C63025}" type="datetimeFigureOut">
               <a:rPr lang="en-US" smtClean="0"/>
-              <a:t>12/2/21</a:t>
+              <a:t>12/4/21</a:t>
             </a:fld>
             <a:endParaRPr lang="en-US"/>
           </a:p>
@@ -4193,7 +4199,7 @@
           <a:p>
             <a:fld id="{0E82FDCF-6042-5A4E-A2A7-A5FDD0C63025}" type="datetimeFigureOut">
               <a:rPr lang="en-US" smtClean="0"/>
-              <a:t>12/2/21</a:t>
+              <a:t>12/4/21</a:t>
             </a:fld>
             <a:endParaRPr lang="en-US"/>
           </a:p>
@@ -4605,7 +4611,7 @@
           <a:p>
             <a:fld id="{0E82FDCF-6042-5A4E-A2A7-A5FDD0C63025}" type="datetimeFigureOut">
               <a:rPr lang="en-US" smtClean="0"/>
-              <a:t>12/2/21</a:t>
+              <a:t>12/4/21</a:t>
             </a:fld>
             <a:endParaRPr lang="en-US"/>
           </a:p>
@@ -4746,7 +4752,7 @@
           <a:p>
             <a:fld id="{0E82FDCF-6042-5A4E-A2A7-A5FDD0C63025}" type="datetimeFigureOut">
               <a:rPr lang="en-US" smtClean="0"/>
-              <a:t>12/2/21</a:t>
+              <a:t>12/4/21</a:t>
             </a:fld>
             <a:endParaRPr lang="en-US"/>
           </a:p>
@@ -4859,7 +4865,7 @@
           <a:p>
             <a:fld id="{0E82FDCF-6042-5A4E-A2A7-A5FDD0C63025}" type="datetimeFigureOut">
               <a:rPr lang="en-US" smtClean="0"/>
-              <a:t>12/2/21</a:t>
+              <a:t>12/4/21</a:t>
             </a:fld>
             <a:endParaRPr lang="en-US"/>
           </a:p>
@@ -5170,7 +5176,7 @@
           <a:p>
             <a:fld id="{0E82FDCF-6042-5A4E-A2A7-A5FDD0C63025}" type="datetimeFigureOut">
               <a:rPr lang="en-US" smtClean="0"/>
-              <a:t>12/2/21</a:t>
+              <a:t>12/4/21</a:t>
             </a:fld>
             <a:endParaRPr lang="en-US"/>
           </a:p>
@@ -5458,7 +5464,7 @@
           <a:p>
             <a:fld id="{0E82FDCF-6042-5A4E-A2A7-A5FDD0C63025}" type="datetimeFigureOut">
               <a:rPr lang="en-US" smtClean="0"/>
-              <a:t>12/2/21</a:t>
+              <a:t>12/4/21</a:t>
             </a:fld>
             <a:endParaRPr lang="en-US"/>
           </a:p>
@@ -5699,7 +5705,7 @@
           <a:p>
             <a:fld id="{0E82FDCF-6042-5A4E-A2A7-A5FDD0C63025}" type="datetimeFigureOut">
               <a:rPr lang="en-US" smtClean="0"/>
-              <a:t>12/2/21</a:t>
+              <a:t>12/4/21</a:t>
             </a:fld>
             <a:endParaRPr lang="en-US"/>
           </a:p>
@@ -6739,6 +6745,14 @@
 <file path=ppt/slides/slide3.xml><?xml version="1.0" encoding="utf-8"?>
 <p:sld xmlns:a="http://schemas.openxmlformats.org/drawingml/2006/main" xmlns:r="http://schemas.openxmlformats.org/officeDocument/2006/relationships" xmlns:p="http://schemas.openxmlformats.org/presentationml/2006/main">
   <p:cSld>
+    <p:bg>
+      <p:bgPr>
+        <a:solidFill>
+          <a:schemeClr val="bg1"/>
+        </a:solidFill>
+        <a:effectLst/>
+      </p:bgPr>
+    </p:bg>
     <p:spTree>
       <p:nvGrpSpPr>
         <p:cNvPr id="1" name=""/>
@@ -6753,12 +6767,72 @@
           <a:chExt cx="0" cy="0"/>
         </a:xfrm>
       </p:grpSpPr>
+      <p:sp useBgFill="1">
+        <p:nvSpPr>
+          <p:cNvPr id="12" name="Rectangle 11">
+            <a:extLst>
+              <a:ext uri="{FF2B5EF4-FFF2-40B4-BE49-F238E27FC236}">
+                <a16:creationId xmlns:a16="http://schemas.microsoft.com/office/drawing/2014/main" id="{80DF40B2-80F7-4E71-B46C-284163F3654A}"/>
+              </a:ext>
+              <a:ext uri="{C183D7F6-B498-43B3-948B-1728B52AA6E4}">
+                <adec:decorative xmlns:adec="http://schemas.microsoft.com/office/drawing/2017/decorative" val="1"/>
+              </a:ext>
+            </a:extLst>
+          </p:cNvPr>
+          <p:cNvSpPr>
+            <a:spLocks noGrp="1" noRot="1" noChangeAspect="1" noMove="1" noResize="1" noEditPoints="1" noAdjustHandles="1" noChangeArrowheads="1" noChangeShapeType="1" noTextEdit="1"/>
+          </p:cNvSpPr>
+          <p:nvPr>
+            <p:extLst>
+              <p:ext uri="{386F3935-93C4-4BCD-93E2-E3B085C9AB24}">
+                <p16:designElem xmlns:p16="http://schemas.microsoft.com/office/powerpoint/2015/main" val="1"/>
+              </p:ext>
+            </p:extLst>
+          </p:nvPr>
+        </p:nvSpPr>
+        <p:spPr>
+          <a:xfrm>
+            <a:off x="-1" y="0"/>
+            <a:ext cx="12188952" cy="6858000"/>
+          </a:xfrm>
+          <a:prstGeom prst="rect">
+            <a:avLst/>
+          </a:prstGeom>
+          <a:ln>
+            <a:noFill/>
+          </a:ln>
+        </p:spPr>
+        <p:style>
+          <a:lnRef idx="2">
+            <a:schemeClr val="accent1">
+              <a:shade val="50000"/>
+            </a:schemeClr>
+          </a:lnRef>
+          <a:fillRef idx="1">
+            <a:schemeClr val="accent1"/>
+          </a:fillRef>
+          <a:effectRef idx="0">
+            <a:schemeClr val="accent1"/>
+          </a:effectRef>
+          <a:fontRef idx="minor">
+            <a:schemeClr val="lt1"/>
+          </a:fontRef>
+        </p:style>
+        <p:txBody>
+          <a:bodyPr rtlCol="0" anchor="ctr"/>
+          <a:lstStyle/>
+          <a:p>
+            <a:pPr algn="ctr"/>
+            <a:endParaRPr lang="en-US"/>
+          </a:p>
+        </p:txBody>
+      </p:sp>
       <p:sp>
         <p:nvSpPr>
           <p:cNvPr id="2" name="Title 1">
             <a:extLst>
               <a:ext uri="{FF2B5EF4-FFF2-40B4-BE49-F238E27FC236}">
-                <a16:creationId xmlns:a16="http://schemas.microsoft.com/office/drawing/2014/main" id="{493D883E-18F5-1C42-94A0-1DDEA2CF7615}"/>
+                <a16:creationId xmlns:a16="http://schemas.microsoft.com/office/drawing/2014/main" id="{73F85AE6-0107-4B43-9325-F1FEF7550955}"/>
               </a:ext>
             </a:extLst>
           </p:cNvPr>
@@ -6769,48 +6843,100 @@
             <p:ph type="title"/>
           </p:nvPr>
         </p:nvSpPr>
-        <p:spPr/>
+        <p:spPr>
+          <a:xfrm>
+            <a:off x="810864" y="367103"/>
+            <a:ext cx="3807187" cy="1490272"/>
+          </a:xfrm>
+        </p:spPr>
         <p:txBody>
-          <a:bodyPr/>
+          <a:bodyPr>
+            <a:normAutofit/>
+          </a:bodyPr>
           <a:lstStyle/>
           <a:p>
             <a:r>
-              <a:rPr lang="en-US" dirty="0"/>
-              <a:t>Goals</a:t>
+              <a:rPr lang="en-US" sz="4000" dirty="0"/>
+              <a:t>Variation in Strike Calls</a:t>
             </a:r>
           </a:p>
         </p:txBody>
       </p:sp>
-      <p:graphicFrame>
-        <p:nvGraphicFramePr>
-          <p:cNvPr id="5" name="Content Placeholder 2">
-            <a:extLst>
-              <a:ext uri="{FF2B5EF4-FFF2-40B4-BE49-F238E27FC236}">
-                <a16:creationId xmlns:a16="http://schemas.microsoft.com/office/drawing/2014/main" id="{436BF229-588F-4D41-852F-5986F22D038E}"/>
-              </a:ext>
-            </a:extLst>
-          </p:cNvPr>
-          <p:cNvGraphicFramePr>
-            <a:graphicFrameLocks noGrp="1"/>
-          </p:cNvGraphicFramePr>
+      <p:sp>
+        <p:nvSpPr>
+          <p:cNvPr id="9" name="Content Placeholder 8">
+            <a:extLst>
+              <a:ext uri="{FF2B5EF4-FFF2-40B4-BE49-F238E27FC236}">
+                <a16:creationId xmlns:a16="http://schemas.microsoft.com/office/drawing/2014/main" id="{C60B2876-F481-4C9F-8E96-1A453BDA6033}"/>
+              </a:ext>
+            </a:extLst>
+          </p:cNvPr>
+          <p:cNvSpPr>
+            <a:spLocks noGrp="1"/>
+          </p:cNvSpPr>
           <p:nvPr>
             <p:ph idx="1"/>
           </p:nvPr>
-        </p:nvGraphicFramePr>
-        <p:xfrm>
-          <a:off x="838200" y="1825625"/>
-          <a:ext cx="10515600" cy="4351338"/>
-        </p:xfrm>
-        <a:graphic>
-          <a:graphicData uri="http://schemas.openxmlformats.org/drawingml/2006/diagram">
-            <dgm:relIds xmlns:dgm="http://schemas.openxmlformats.org/drawingml/2006/diagram" xmlns:r="http://schemas.openxmlformats.org/officeDocument/2006/relationships" r:dm="rId2" r:lo="rId3" r:qs="rId4" r:cs="rId5"/>
-          </a:graphicData>
-        </a:graphic>
-      </p:graphicFrame>
+        </p:nvSpPr>
+        <p:spPr>
+          <a:xfrm>
+            <a:off x="838201" y="2962279"/>
+            <a:ext cx="3799425" cy="3143241"/>
+          </a:xfrm>
+        </p:spPr>
+        <p:txBody>
+          <a:bodyPr>
+            <a:normAutofit/>
+          </a:bodyPr>
+          <a:lstStyle/>
+          <a:p>
+            <a:r>
+              <a:rPr lang="en-US" sz="2000" dirty="0"/>
+              <a:t>Despite a defined strike zone, strike calls vary, especially around the edge of the strike zone</a:t>
+            </a:r>
+          </a:p>
+          <a:p>
+            <a:r>
+              <a:rPr lang="en-US" sz="2000" dirty="0"/>
+              <a:t>On the edge, umpires and catchers can impact the probability of a pitch being called a strike</a:t>
+            </a:r>
+          </a:p>
+        </p:txBody>
+      </p:sp>
+      <p:pic>
+        <p:nvPicPr>
+          <p:cNvPr id="5" name="Content Placeholder 4" descr="Chart, scatter chart, qr code&#10;&#10;Description automatically generated">
+            <a:extLst>
+              <a:ext uri="{FF2B5EF4-FFF2-40B4-BE49-F238E27FC236}">
+                <a16:creationId xmlns:a16="http://schemas.microsoft.com/office/drawing/2014/main" id="{3F97C7BD-657F-1C47-B15A-193309A3B47B}"/>
+              </a:ext>
+            </a:extLst>
+          </p:cNvPr>
+          <p:cNvPicPr>
+            <a:picLocks noChangeAspect="1"/>
+          </p:cNvPicPr>
+          <p:nvPr/>
+        </p:nvPicPr>
+        <p:blipFill rotWithShape="1">
+          <a:blip r:embed="rId2"/>
+          <a:srcRect t="420" b="107"/>
+          <a:stretch/>
+        </p:blipFill>
+        <p:spPr>
+          <a:xfrm>
+            <a:off x="5010386" y="10"/>
+            <a:ext cx="7181613" cy="6857990"/>
+          </a:xfrm>
+          <a:prstGeom prst="rect">
+            <a:avLst/>
+          </a:prstGeom>
+          <a:effectLst/>
+        </p:spPr>
+      </p:pic>
     </p:spTree>
     <p:extLst>
       <p:ext uri="{BB962C8B-B14F-4D97-AF65-F5344CB8AC3E}">
-        <p14:creationId xmlns:p14="http://schemas.microsoft.com/office/powerpoint/2010/main" val="2161931095"/>
+        <p14:creationId xmlns:p14="http://schemas.microsoft.com/office/powerpoint/2010/main" val="3903786021"/>
       </p:ext>
     </p:extLst>
   </p:cSld>
@@ -6842,7 +6968,7 @@
           <p:cNvPr id="2" name="Title 1">
             <a:extLst>
               <a:ext uri="{FF2B5EF4-FFF2-40B4-BE49-F238E27FC236}">
-                <a16:creationId xmlns:a16="http://schemas.microsoft.com/office/drawing/2014/main" id="{73F85AE6-0107-4B43-9325-F1FEF7550955}"/>
+                <a16:creationId xmlns:a16="http://schemas.microsoft.com/office/drawing/2014/main" id="{493D883E-18F5-1C42-94A0-1DDEA2CF7615}"/>
               </a:ext>
             </a:extLst>
           </p:cNvPr>
@@ -6858,6 +6984,90 @@
           <a:bodyPr/>
           <a:lstStyle/>
           <a:p>
+            <a:r>
+              <a:rPr lang="en-US" dirty="0"/>
+              <a:t>Goals</a:t>
+            </a:r>
+          </a:p>
+        </p:txBody>
+      </p:sp>
+      <p:graphicFrame>
+        <p:nvGraphicFramePr>
+          <p:cNvPr id="5" name="Content Placeholder 2">
+            <a:extLst>
+              <a:ext uri="{FF2B5EF4-FFF2-40B4-BE49-F238E27FC236}">
+                <a16:creationId xmlns:a16="http://schemas.microsoft.com/office/drawing/2014/main" id="{436BF229-588F-4D41-852F-5986F22D038E}"/>
+              </a:ext>
+            </a:extLst>
+          </p:cNvPr>
+          <p:cNvGraphicFramePr>
+            <a:graphicFrameLocks noGrp="1"/>
+          </p:cNvGraphicFramePr>
+          <p:nvPr>
+            <p:ph idx="1"/>
+          </p:nvPr>
+        </p:nvGraphicFramePr>
+        <p:xfrm>
+          <a:off x="838200" y="1825625"/>
+          <a:ext cx="10515600" cy="4351338"/>
+        </p:xfrm>
+        <a:graphic>
+          <a:graphicData uri="http://schemas.openxmlformats.org/drawingml/2006/diagram">
+            <dgm:relIds xmlns:dgm="http://schemas.openxmlformats.org/drawingml/2006/diagram" xmlns:r="http://schemas.openxmlformats.org/officeDocument/2006/relationships" r:dm="rId2" r:lo="rId3" r:qs="rId4" r:cs="rId5"/>
+          </a:graphicData>
+        </a:graphic>
+      </p:graphicFrame>
+    </p:spTree>
+    <p:extLst>
+      <p:ext uri="{BB962C8B-B14F-4D97-AF65-F5344CB8AC3E}">
+        <p14:creationId xmlns:p14="http://schemas.microsoft.com/office/powerpoint/2010/main" val="2161931095"/>
+      </p:ext>
+    </p:extLst>
+  </p:cSld>
+  <p:clrMapOvr>
+    <a:masterClrMapping/>
+  </p:clrMapOvr>
+</p:sld>
+</file>
+
+<file path=ppt/slides/slide5.xml><?xml version="1.0" encoding="utf-8"?>
+<p:sld xmlns:a="http://schemas.openxmlformats.org/drawingml/2006/main" xmlns:r="http://schemas.openxmlformats.org/officeDocument/2006/relationships" xmlns:p="http://schemas.openxmlformats.org/presentationml/2006/main">
+  <p:cSld>
+    <p:spTree>
+      <p:nvGrpSpPr>
+        <p:cNvPr id="1" name=""/>
+        <p:cNvGrpSpPr/>
+        <p:nvPr/>
+      </p:nvGrpSpPr>
+      <p:grpSpPr>
+        <a:xfrm>
+          <a:off x="0" y="0"/>
+          <a:ext cx="0" cy="0"/>
+          <a:chOff x="0" y="0"/>
+          <a:chExt cx="0" cy="0"/>
+        </a:xfrm>
+      </p:grpSpPr>
+      <p:sp>
+        <p:nvSpPr>
+          <p:cNvPr id="2" name="Title 1">
+            <a:extLst>
+              <a:ext uri="{FF2B5EF4-FFF2-40B4-BE49-F238E27FC236}">
+                <a16:creationId xmlns:a16="http://schemas.microsoft.com/office/drawing/2014/main" id="{A0E25DB7-69C9-AD41-A71F-59E6CBDF873E}"/>
+              </a:ext>
+            </a:extLst>
+          </p:cNvPr>
+          <p:cNvSpPr>
+            <a:spLocks noGrp="1"/>
+          </p:cNvSpPr>
+          <p:nvPr>
+            <p:ph type="title"/>
+          </p:nvPr>
+        </p:nvSpPr>
+        <p:spPr/>
+        <p:txBody>
+          <a:bodyPr/>
+          <a:lstStyle/>
+          <a:p>
             <a:endParaRPr lang="en-US"/>
           </a:p>
         </p:txBody>
@@ -6867,7 +7077,7 @@
           <p:cNvPr id="3" name="Content Placeholder 2">
             <a:extLst>
               <a:ext uri="{FF2B5EF4-FFF2-40B4-BE49-F238E27FC236}">
-                <a16:creationId xmlns:a16="http://schemas.microsoft.com/office/drawing/2014/main" id="{6301EB74-A2D7-A24C-A110-945EBEB374D9}"/>
+                <a16:creationId xmlns:a16="http://schemas.microsoft.com/office/drawing/2014/main" id="{074BCFAC-4191-464E-B780-A070BB810B69}"/>
               </a:ext>
             </a:extLst>
           </p:cNvPr>
@@ -6890,7 +7100,7 @@
     </p:spTree>
     <p:extLst>
       <p:ext uri="{BB962C8B-B14F-4D97-AF65-F5344CB8AC3E}">
-        <p14:creationId xmlns:p14="http://schemas.microsoft.com/office/powerpoint/2010/main" val="3903786021"/>
+        <p14:creationId xmlns:p14="http://schemas.microsoft.com/office/powerpoint/2010/main" val="3697653180"/>
       </p:ext>
     </p:extLst>
   </p:cSld>

--- a/Framing_Presentation.pptx
+++ b/Framing_Presentation.pptx
@@ -4109,7 +4109,7 @@
 <dgm:dataModel xmlns:dgm="http://schemas.openxmlformats.org/drawingml/2006/diagram" xmlns:a="http://schemas.openxmlformats.org/drawingml/2006/main">
   <dgm:ptLst>
     <dgm:pt modelId="{C22BCB02-1EB7-4EB2-9304-339B32B0F4A8}" type="doc">
-      <dgm:prSet loTypeId="urn:microsoft.com/office/officeart/2008/layout/LinedList" loCatId="list" qsTypeId="urn:microsoft.com/office/officeart/2005/8/quickstyle/simple1" qsCatId="simple" csTypeId="urn:microsoft.com/office/officeart/2005/8/colors/colorful2" csCatId="colorful"/>
+      <dgm:prSet loTypeId="urn:microsoft.com/office/officeart/2008/layout/LinedList" loCatId="list" qsTypeId="urn:microsoft.com/office/officeart/2005/8/quickstyle/simple1" qsCatId="simple" csTypeId="urn:microsoft.com/office/officeart/2005/8/colors/colorful2" csCatId="colorful" phldr="1"/>
       <dgm:spPr/>
       <dgm:t>
         <a:bodyPr/>
@@ -4127,8 +4127,8 @@
         <a:lstStyle/>
         <a:p>
           <a:r>
-            <a:rPr lang="en-US"/>
-            <a:t>Generalized Linear Model </a:t>
+            <a:rPr lang="en-US" dirty="0"/>
+            <a:t>Similar to Generalized Linear Model </a:t>
           </a:r>
         </a:p>
       </dgm:t>
@@ -4163,7 +4163,7 @@
         <a:lstStyle/>
         <a:p>
           <a:r>
-            <a:rPr lang="en-US"/>
+            <a:rPr lang="en-US" dirty="0"/>
             <a:t>Systematic component consists of smoothing functions on covariates</a:t>
           </a:r>
         </a:p>
@@ -5361,8 +5361,8 @@
             <a:buNone/>
           </a:pPr>
           <a:r>
-            <a:rPr lang="en-US" sz="3700" kern="1200"/>
-            <a:t>Generalized Linear Model </a:t>
+            <a:rPr lang="en-US" sz="3700" kern="1200" dirty="0"/>
+            <a:t>Similar to Generalized Linear Model </a:t>
           </a:r>
         </a:p>
       </dsp:txBody>
@@ -5471,7 +5471,7 @@
             <a:buNone/>
           </a:pPr>
           <a:r>
-            <a:rPr lang="en-US" sz="3700" kern="1200"/>
+            <a:rPr lang="en-US" sz="3700" kern="1200" dirty="0"/>
             <a:t>Systematic component consists of smoothing functions on covariates</a:t>
           </a:r>
         </a:p>
@@ -14360,7 +14360,7 @@
           <a:p>
             <a:fld id="{0E82FDCF-6042-5A4E-A2A7-A5FDD0C63025}" type="datetimeFigureOut">
               <a:rPr lang="en-US" smtClean="0"/>
-              <a:t>12/4/21</a:t>
+              <a:t>12/7/21</a:t>
             </a:fld>
             <a:endParaRPr lang="en-US"/>
           </a:p>
@@ -14558,7 +14558,7 @@
           <a:p>
             <a:fld id="{0E82FDCF-6042-5A4E-A2A7-A5FDD0C63025}" type="datetimeFigureOut">
               <a:rPr lang="en-US" smtClean="0"/>
-              <a:t>12/4/21</a:t>
+              <a:t>12/7/21</a:t>
             </a:fld>
             <a:endParaRPr lang="en-US"/>
           </a:p>
@@ -14766,7 +14766,7 @@
           <a:p>
             <a:fld id="{0E82FDCF-6042-5A4E-A2A7-A5FDD0C63025}" type="datetimeFigureOut">
               <a:rPr lang="en-US" smtClean="0"/>
-              <a:t>12/4/21</a:t>
+              <a:t>12/7/21</a:t>
             </a:fld>
             <a:endParaRPr lang="en-US"/>
           </a:p>
@@ -14964,7 +14964,7 @@
           <a:p>
             <a:fld id="{0E82FDCF-6042-5A4E-A2A7-A5FDD0C63025}" type="datetimeFigureOut">
               <a:rPr lang="en-US" smtClean="0"/>
-              <a:t>12/4/21</a:t>
+              <a:t>12/7/21</a:t>
             </a:fld>
             <a:endParaRPr lang="en-US"/>
           </a:p>
@@ -15239,7 +15239,7 @@
           <a:p>
             <a:fld id="{0E82FDCF-6042-5A4E-A2A7-A5FDD0C63025}" type="datetimeFigureOut">
               <a:rPr lang="en-US" smtClean="0"/>
-              <a:t>12/4/21</a:t>
+              <a:t>12/7/21</a:t>
             </a:fld>
             <a:endParaRPr lang="en-US"/>
           </a:p>
@@ -15504,7 +15504,7 @@
           <a:p>
             <a:fld id="{0E82FDCF-6042-5A4E-A2A7-A5FDD0C63025}" type="datetimeFigureOut">
               <a:rPr lang="en-US" smtClean="0"/>
-              <a:t>12/4/21</a:t>
+              <a:t>12/7/21</a:t>
             </a:fld>
             <a:endParaRPr lang="en-US"/>
           </a:p>
@@ -15916,7 +15916,7 @@
           <a:p>
             <a:fld id="{0E82FDCF-6042-5A4E-A2A7-A5FDD0C63025}" type="datetimeFigureOut">
               <a:rPr lang="en-US" smtClean="0"/>
-              <a:t>12/4/21</a:t>
+              <a:t>12/7/21</a:t>
             </a:fld>
             <a:endParaRPr lang="en-US"/>
           </a:p>
@@ -16057,7 +16057,7 @@
           <a:p>
             <a:fld id="{0E82FDCF-6042-5A4E-A2A7-A5FDD0C63025}" type="datetimeFigureOut">
               <a:rPr lang="en-US" smtClean="0"/>
-              <a:t>12/4/21</a:t>
+              <a:t>12/7/21</a:t>
             </a:fld>
             <a:endParaRPr lang="en-US"/>
           </a:p>
@@ -16170,7 +16170,7 @@
           <a:p>
             <a:fld id="{0E82FDCF-6042-5A4E-A2A7-A5FDD0C63025}" type="datetimeFigureOut">
               <a:rPr lang="en-US" smtClean="0"/>
-              <a:t>12/4/21</a:t>
+              <a:t>12/7/21</a:t>
             </a:fld>
             <a:endParaRPr lang="en-US"/>
           </a:p>
@@ -16481,7 +16481,7 @@
           <a:p>
             <a:fld id="{0E82FDCF-6042-5A4E-A2A7-A5FDD0C63025}" type="datetimeFigureOut">
               <a:rPr lang="en-US" smtClean="0"/>
-              <a:t>12/4/21</a:t>
+              <a:t>12/7/21</a:t>
             </a:fld>
             <a:endParaRPr lang="en-US"/>
           </a:p>
@@ -16769,7 +16769,7 @@
           <a:p>
             <a:fld id="{0E82FDCF-6042-5A4E-A2A7-A5FDD0C63025}" type="datetimeFigureOut">
               <a:rPr lang="en-US" smtClean="0"/>
-              <a:t>12/4/21</a:t>
+              <a:t>12/7/21</a:t>
             </a:fld>
             <a:endParaRPr lang="en-US"/>
           </a:p>
@@ -17010,7 +17010,7 @@
           <a:p>
             <a:fld id="{0E82FDCF-6042-5A4E-A2A7-A5FDD0C63025}" type="datetimeFigureOut">
               <a:rPr lang="en-US" smtClean="0"/>
-              <a:t>12/4/21</a:t>
+              <a:t>12/7/21</a:t>
             </a:fld>
             <a:endParaRPr lang="en-US"/>
           </a:p>
@@ -20842,7 +20842,7 @@
             <p:ph idx="1"/>
             <p:extLst>
               <p:ext uri="{D42A27DB-BD31-4B8C-83A1-F6EECF244321}">
-                <p14:modId xmlns:p14="http://schemas.microsoft.com/office/powerpoint/2010/main" val="37351672"/>
+                <p14:modId xmlns:p14="http://schemas.microsoft.com/office/powerpoint/2010/main" val="2621859191"/>
               </p:ext>
             </p:extLst>
           </p:nvPr>
